--- a/Interactive GTS App/documentation/PowerPoint.pptx
+++ b/Interactive GTS App/documentation/PowerPoint.pptx
@@ -4137,10 +4137,70 @@
         </p:nvSpPr>
         <p:spPr/>
         <p:txBody>
-          <a:bodyPr/>
-          <a:lstStyle/>
-          <a:p>
-            <a:endParaRPr lang="en-US"/>
+          <a:bodyPr>
+            <a:normAutofit fontScale="92500" lnSpcReduction="20000"/>
+          </a:bodyPr>
+          <a:lstStyle/>
+          <a:p>
+            <a:r>
+              <a:rPr lang="en-US" dirty="0"/>
+              <a:t>Result of 10-week REU internship</a:t>
+            </a:r>
+          </a:p>
+          <a:p>
+            <a:r>
+              <a:rPr lang="en-US" dirty="0"/>
+              <a:t>Focused on time ontology, RDF databases, and designing applications in R</a:t>
+            </a:r>
+          </a:p>
+          <a:p>
+            <a:r>
+              <a:rPr lang="en-US" dirty="0"/>
+              <a:t>Main pages</a:t>
+            </a:r>
+          </a:p>
+          <a:p>
+            <a:pPr lvl="1"/>
+            <a:r>
+              <a:rPr lang="en-US" dirty="0"/>
+              <a:t>GTS Knowledge page – demos and documentation for </a:t>
+            </a:r>
+            <a:r>
+              <a:rPr lang="en-US" dirty="0" err="1"/>
+              <a:t>DeepTimeKB</a:t>
+            </a:r>
+            <a:r>
+              <a:rPr lang="en-US" dirty="0"/>
+              <a:t> functions</a:t>
+            </a:r>
+          </a:p>
+          <a:p>
+            <a:pPr lvl="1"/>
+            <a:r>
+              <a:rPr lang="en-US" dirty="0"/>
+              <a:t>GSSP Map page – plot maps with GSSP markers in international schemes</a:t>
+            </a:r>
+          </a:p>
+          <a:p>
+            <a:pPr lvl="1"/>
+            <a:r>
+              <a:rPr lang="en-US" dirty="0"/>
+              <a:t>Topology page – compare two geological time concepts </a:t>
+            </a:r>
+            <a:r>
+              <a:rPr lang="en-US" dirty="0" err="1"/>
+              <a:t>tologically</a:t>
+            </a:r>
+            <a:endParaRPr lang="en-US" dirty="0"/>
+          </a:p>
+          <a:p>
+            <a:pPr marL="0" indent="0">
+              <a:buNone/>
+            </a:pPr>
+            <a:endParaRPr lang="en-US" dirty="0"/>
+          </a:p>
+          <a:p>
+            <a:endParaRPr lang="en-US" dirty="0"/>
           </a:p>
         </p:txBody>
       </p:sp>
@@ -4220,10 +4280,54 @@
         </p:nvSpPr>
         <p:spPr/>
         <p:txBody>
-          <a:bodyPr/>
-          <a:lstStyle/>
-          <a:p>
-            <a:endParaRPr lang="en-US"/>
+          <a:bodyPr>
+            <a:normAutofit fontScale="92500"/>
+          </a:bodyPr>
+          <a:lstStyle/>
+          <a:p>
+            <a:r>
+              <a:rPr lang="en-US" dirty="0"/>
+              <a:t>Function demos and documentation</a:t>
+            </a:r>
+          </a:p>
+          <a:p>
+            <a:r>
+              <a:rPr lang="en-US" dirty="0"/>
+              <a:t>Sub-menu of functions</a:t>
+            </a:r>
+          </a:p>
+          <a:p>
+            <a:pPr lvl="1"/>
+            <a:r>
+              <a:rPr lang="en-US" dirty="0"/>
+              <a:t>Sub-sub-menu to switch between demo and documentation</a:t>
+            </a:r>
+          </a:p>
+          <a:p>
+            <a:r>
+              <a:rPr lang="en-US" dirty="0"/>
+              <a:t>Demo page has input fields that the user can fill/modify</a:t>
+            </a:r>
+          </a:p>
+          <a:p>
+            <a:r>
+              <a:rPr lang="en-US" dirty="0"/>
+              <a:t>Some demo pages have a “Run” button, some do not</a:t>
+            </a:r>
+          </a:p>
+          <a:p>
+            <a:r>
+              <a:rPr lang="en-US" dirty="0"/>
+              <a:t>Documentation page is the R help page for a function (?</a:t>
+            </a:r>
+            <a:r>
+              <a:rPr lang="en-US" dirty="0" err="1"/>
+              <a:t>gts.topo</a:t>
+            </a:r>
+            <a:r>
+              <a:rPr lang="en-US" dirty="0"/>
+              <a:t>)</a:t>
+            </a:r>
           </a:p>
         </p:txBody>
       </p:sp>
@@ -4306,7 +4410,38 @@
           <a:bodyPr/>
           <a:lstStyle/>
           <a:p>
-            <a:endParaRPr lang="en-US"/>
+            <a:r>
+              <a:rPr lang="en-US" dirty="0"/>
+              <a:t>User selects an international scheme and a map with GSSP markers renders on the page</a:t>
+            </a:r>
+          </a:p>
+          <a:p>
+            <a:r>
+              <a:rPr lang="en-US" dirty="0"/>
+              <a:t>List of international schemes – </a:t>
+            </a:r>
+            <a:r>
+              <a:rPr lang="en-US" dirty="0" err="1"/>
+              <a:t>gts.iscSchemes</a:t>
+            </a:r>
+            <a:r>
+              <a:rPr lang="en-US" dirty="0"/>
+              <a:t>()</a:t>
+            </a:r>
+          </a:p>
+          <a:p>
+            <a:r>
+              <a:rPr lang="en-US" dirty="0"/>
+              <a:t>Plot the map – </a:t>
+            </a:r>
+            <a:r>
+              <a:rPr lang="en-US" dirty="0" err="1"/>
+              <a:t>gssp.map</a:t>
+            </a:r>
+            <a:r>
+              <a:rPr lang="en-US" dirty="0"/>
+              <a:t>()</a:t>
+            </a:r>
           </a:p>
         </p:txBody>
       </p:sp>
@@ -4384,12 +4519,111 @@
             <p:ph idx="1"/>
           </p:nvPr>
         </p:nvSpPr>
-        <p:spPr/>
-        <p:txBody>
-          <a:bodyPr/>
-          <a:lstStyle/>
-          <a:p>
-            <a:endParaRPr lang="en-US"/>
+        <p:spPr>
+          <a:xfrm>
+            <a:off x="762000" y="2286000"/>
+            <a:ext cx="10668000" cy="4081549"/>
+          </a:xfrm>
+        </p:spPr>
+        <p:txBody>
+          <a:bodyPr>
+            <a:normAutofit fontScale="70000" lnSpcReduction="20000"/>
+          </a:bodyPr>
+          <a:lstStyle/>
+          <a:p>
+            <a:r>
+              <a:rPr lang="en-US" dirty="0"/>
+              <a:t>Topologically compare two geological time concepts</a:t>
+            </a:r>
+          </a:p>
+          <a:p>
+            <a:r>
+              <a:rPr lang="en-US" dirty="0"/>
+              <a:t>User selects two concepts from a scheme</a:t>
+            </a:r>
+          </a:p>
+          <a:p>
+            <a:pPr lvl="1"/>
+            <a:r>
+              <a:rPr lang="en-US" dirty="0"/>
+              <a:t>And ISC version if from an international scheme</a:t>
+            </a:r>
+          </a:p>
+          <a:p>
+            <a:r>
+              <a:rPr lang="en-US" dirty="0"/>
+              <a:t>Press “Run”</a:t>
+            </a:r>
+          </a:p>
+          <a:p>
+            <a:r>
+              <a:rPr lang="en-US" dirty="0"/>
+              <a:t>List of regions – </a:t>
+            </a:r>
+            <a:r>
+              <a:rPr lang="en-US" dirty="0" err="1"/>
+              <a:t>gts.listRegion</a:t>
+            </a:r>
+            <a:r>
+              <a:rPr lang="en-US" dirty="0"/>
+              <a:t>()</a:t>
+            </a:r>
+          </a:p>
+          <a:p>
+            <a:r>
+              <a:rPr lang="en-US" dirty="0"/>
+              <a:t>List of ISC versions – </a:t>
+            </a:r>
+            <a:r>
+              <a:rPr lang="en-US" dirty="0" err="1"/>
+              <a:t>gts.iscVersions</a:t>
+            </a:r>
+            <a:r>
+              <a:rPr lang="en-US" dirty="0"/>
+              <a:t>()</a:t>
+            </a:r>
+          </a:p>
+          <a:p>
+            <a:r>
+              <a:rPr lang="en-US" dirty="0"/>
+              <a:t>Concepts in a scheme/region – </a:t>
+            </a:r>
+            <a:r>
+              <a:rPr lang="en-US" dirty="0" err="1"/>
+              <a:t>gts.list</a:t>
+            </a:r>
+            <a:r>
+              <a:rPr lang="en-US" dirty="0"/>
+              <a:t>()</a:t>
+            </a:r>
+          </a:p>
+          <a:p>
+            <a:r>
+              <a:rPr lang="en-US" dirty="0"/>
+              <a:t>Lower/upper bounds of a concept – </a:t>
+            </a:r>
+            <a:r>
+              <a:rPr lang="en-US" dirty="0" err="1"/>
+              <a:t>gts.range</a:t>
+            </a:r>
+            <a:r>
+              <a:rPr lang="en-US" dirty="0"/>
+              <a:t>()</a:t>
+            </a:r>
+          </a:p>
+          <a:p>
+            <a:r>
+              <a:rPr lang="en-US" dirty="0"/>
+              <a:t>Topology – </a:t>
+            </a:r>
+            <a:r>
+              <a:rPr lang="en-US" dirty="0" err="1"/>
+              <a:t>gts.topo</a:t>
+            </a:r>
+            <a:r>
+              <a:rPr lang="en-US" dirty="0"/>
+              <a:t>()</a:t>
+            </a:r>
           </a:p>
         </p:txBody>
       </p:sp>
